--- a/Fig/涵道结构.pptx
+++ b/Fig/涵道结构.pptx
@@ -107,12 +107,12 @@
   <p:extLst>
     <p:ext uri="{EFAFB233-063F-42B5-8137-9DF3F51BA10A}">
       <p15:sldGuideLst xmlns:p15="http://schemas.microsoft.com/office/powerpoint/2012/main">
-        <p15:guide id="1" orient="horz" pos="933" userDrawn="1">
+        <p15:guide id="1" orient="horz" pos="948" userDrawn="1">
           <p15:clr>
             <a:srgbClr val="A4A3A4"/>
           </p15:clr>
         </p15:guide>
-        <p15:guide id="2" pos="898" userDrawn="1">
+        <p15:guide id="2" pos="900" userDrawn="1">
           <p15:clr>
             <a:srgbClr val="A4A3A4"/>
           </p15:clr>
@@ -3153,7 +3153,7 @@
         </p:nvCxnSpPr>
         <p:spPr>
           <a:xfrm>
-            <a:off x="631190" y="868680"/>
+            <a:off x="680720" y="741680"/>
             <a:ext cx="563245" cy="48260"/>
           </a:xfrm>
           <a:prstGeom prst="straightConnector1">
@@ -3409,13 +3409,9 @@
                 <a:solidFill>
                   <a:schemeClr val="bg1"/>
                 </a:solidFill>
-                <a:effectLst>
-                  <a:outerShdw blurRad="38100" dist="25400" dir="5400000" algn="ctr" rotWithShape="0">
-                    <a:srgbClr val="6E747A">
-                      <a:alpha val="43000"/>
-                    </a:srgbClr>
-                  </a:outerShdw>
-                </a:effectLst>
+                <a:effectLst/>
+                <a:latin typeface="宋体" panose="02010600030101010101" pitchFamily="2" charset="-122"/>
+                <a:ea typeface="宋体" panose="02010600030101010101" pitchFamily="2" charset="-122"/>
               </a:rPr>
               <a:t>上部电子仓</a:t>
             </a:r>
@@ -3423,13 +3419,9 @@
               <a:solidFill>
                 <a:schemeClr val="bg1"/>
               </a:solidFill>
-              <a:effectLst>
-                <a:outerShdw blurRad="38100" dist="25400" dir="5400000" algn="ctr" rotWithShape="0">
-                  <a:srgbClr val="6E747A">
-                    <a:alpha val="43000"/>
-                  </a:srgbClr>
-                </a:outerShdw>
-              </a:effectLst>
+              <a:effectLst/>
+              <a:latin typeface="宋体" panose="02010600030101010101" pitchFamily="2" charset="-122"/>
+              <a:ea typeface="宋体" panose="02010600030101010101" pitchFamily="2" charset="-122"/>
             </a:endParaRPr>
           </a:p>
         </p:txBody>
@@ -3442,7 +3434,7 @@
         </p:nvSpPr>
         <p:spPr>
           <a:xfrm>
-            <a:off x="213360" y="774065"/>
+            <a:off x="262890" y="647065"/>
             <a:ext cx="417830" cy="189230"/>
           </a:xfrm>
           <a:prstGeom prst="rect">
@@ -3461,18 +3453,15 @@
             </a:scene3d>
           </a:bodyPr>
           <a:p>
+            <a:pPr algn="ctr"/>
             <a:r>
               <a:rPr lang="zh-CN" altLang="en-US" sz="900">
                 <a:solidFill>
                   <a:schemeClr val="bg1"/>
                 </a:solidFill>
-                <a:effectLst>
-                  <a:outerShdw blurRad="38100" dist="25400" dir="5400000" algn="ctr" rotWithShape="0">
-                    <a:srgbClr val="6E747A">
-                      <a:alpha val="43000"/>
-                    </a:srgbClr>
-                  </a:outerShdw>
-                </a:effectLst>
+                <a:effectLst/>
+                <a:latin typeface="宋体" panose="02010600030101010101" pitchFamily="2" charset="-122"/>
+                <a:ea typeface="宋体" panose="02010600030101010101" pitchFamily="2" charset="-122"/>
               </a:rPr>
               <a:t>电池</a:t>
             </a:r>
@@ -3480,13 +3469,9 @@
               <a:solidFill>
                 <a:schemeClr val="bg1"/>
               </a:solidFill>
-              <a:effectLst>
-                <a:outerShdw blurRad="38100" dist="25400" dir="5400000" algn="ctr" rotWithShape="0">
-                  <a:srgbClr val="6E747A">
-                    <a:alpha val="43000"/>
-                  </a:srgbClr>
-                </a:outerShdw>
-              </a:effectLst>
+              <a:effectLst/>
+              <a:latin typeface="宋体" panose="02010600030101010101" pitchFamily="2" charset="-122"/>
+              <a:ea typeface="宋体" panose="02010600030101010101" pitchFamily="2" charset="-122"/>
             </a:endParaRPr>
           </a:p>
         </p:txBody>
@@ -3523,13 +3508,9 @@
                 <a:solidFill>
                   <a:schemeClr val="bg1"/>
                 </a:solidFill>
-                <a:effectLst>
-                  <a:outerShdw blurRad="38100" dist="25400" dir="5400000" algn="ctr" rotWithShape="0">
-                    <a:srgbClr val="6E747A">
-                      <a:alpha val="43000"/>
-                    </a:srgbClr>
-                  </a:outerShdw>
-                </a:effectLst>
+                <a:effectLst/>
+                <a:latin typeface="宋体" panose="02010600030101010101" pitchFamily="2" charset="-122"/>
+                <a:ea typeface="宋体" panose="02010600030101010101" pitchFamily="2" charset="-122"/>
               </a:rPr>
               <a:t>电调、电机</a:t>
             </a:r>
@@ -3537,13 +3518,9 @@
               <a:solidFill>
                 <a:schemeClr val="bg1"/>
               </a:solidFill>
-              <a:effectLst>
-                <a:outerShdw blurRad="38100" dist="25400" dir="5400000" algn="ctr" rotWithShape="0">
-                  <a:srgbClr val="6E747A">
-                    <a:alpha val="43000"/>
-                  </a:srgbClr>
-                </a:outerShdw>
-              </a:effectLst>
+              <a:effectLst/>
+              <a:latin typeface="宋体" panose="02010600030101010101" pitchFamily="2" charset="-122"/>
+              <a:ea typeface="宋体" panose="02010600030101010101" pitchFamily="2" charset="-122"/>
             </a:endParaRPr>
           </a:p>
         </p:txBody>
@@ -3619,13 +3596,9 @@
                 <a:solidFill>
                   <a:schemeClr val="bg1"/>
                 </a:solidFill>
-                <a:effectLst>
-                  <a:outerShdw blurRad="38100" dist="25400" dir="5400000" algn="ctr" rotWithShape="0">
-                    <a:srgbClr val="6E747A">
-                      <a:alpha val="43000"/>
-                    </a:srgbClr>
-                  </a:outerShdw>
-                </a:effectLst>
+                <a:effectLst/>
+                <a:latin typeface="宋体" panose="02010600030101010101" pitchFamily="2" charset="-122"/>
+                <a:ea typeface="宋体" panose="02010600030101010101" pitchFamily="2" charset="-122"/>
               </a:rPr>
               <a:t>螺旋桨</a:t>
             </a:r>
@@ -3633,13 +3606,9 @@
               <a:solidFill>
                 <a:schemeClr val="bg1"/>
               </a:solidFill>
-              <a:effectLst>
-                <a:outerShdw blurRad="38100" dist="25400" dir="5400000" algn="ctr" rotWithShape="0">
-                  <a:srgbClr val="6E747A">
-                    <a:alpha val="43000"/>
-                  </a:srgbClr>
-                </a:outerShdw>
-              </a:effectLst>
+              <a:effectLst/>
+              <a:latin typeface="宋体" panose="02010600030101010101" pitchFamily="2" charset="-122"/>
+              <a:ea typeface="宋体" panose="02010600030101010101" pitchFamily="2" charset="-122"/>
             </a:endParaRPr>
           </a:p>
         </p:txBody>
@@ -3676,13 +3645,9 @@
                 <a:solidFill>
                   <a:schemeClr val="bg1"/>
                 </a:solidFill>
-                <a:effectLst>
-                  <a:outerShdw blurRad="38100" dist="25400" dir="5400000" algn="ctr" rotWithShape="0">
-                    <a:srgbClr val="6E747A">
-                      <a:alpha val="43000"/>
-                    </a:srgbClr>
-                  </a:outerShdw>
-                </a:effectLst>
+                <a:effectLst/>
+                <a:latin typeface="宋体" panose="02010600030101010101" pitchFamily="2" charset="-122"/>
+                <a:ea typeface="宋体" panose="02010600030101010101" pitchFamily="2" charset="-122"/>
               </a:rPr>
               <a:t>涵道体</a:t>
             </a:r>
@@ -3690,13 +3655,9 @@
               <a:solidFill>
                 <a:schemeClr val="bg1"/>
               </a:solidFill>
-              <a:effectLst>
-                <a:outerShdw blurRad="38100" dist="25400" dir="5400000" algn="ctr" rotWithShape="0">
-                  <a:srgbClr val="6E747A">
-                    <a:alpha val="43000"/>
-                  </a:srgbClr>
-                </a:outerShdw>
-              </a:effectLst>
+              <a:effectLst/>
+              <a:latin typeface="宋体" panose="02010600030101010101" pitchFamily="2" charset="-122"/>
+              <a:ea typeface="宋体" panose="02010600030101010101" pitchFamily="2" charset="-122"/>
             </a:endParaRPr>
           </a:p>
         </p:txBody>
@@ -3733,13 +3694,9 @@
                 <a:solidFill>
                   <a:schemeClr val="bg1"/>
                 </a:solidFill>
-                <a:effectLst>
-                  <a:outerShdw blurRad="38100" dist="25400" dir="5400000" algn="ctr" rotWithShape="0">
-                    <a:srgbClr val="6E747A">
-                      <a:alpha val="43000"/>
-                    </a:srgbClr>
-                  </a:outerShdw>
-                </a:effectLst>
+                <a:effectLst/>
+                <a:latin typeface="宋体" panose="02010600030101010101" pitchFamily="2" charset="-122"/>
+                <a:ea typeface="宋体" panose="02010600030101010101" pitchFamily="2" charset="-122"/>
               </a:rPr>
               <a:t>固定气动面</a:t>
             </a:r>
@@ -3747,13 +3704,9 @@
               <a:solidFill>
                 <a:schemeClr val="bg1"/>
               </a:solidFill>
-              <a:effectLst>
-                <a:outerShdw blurRad="38100" dist="25400" dir="5400000" algn="ctr" rotWithShape="0">
-                  <a:srgbClr val="6E747A">
-                    <a:alpha val="43000"/>
-                  </a:srgbClr>
-                </a:outerShdw>
-              </a:effectLst>
+              <a:effectLst/>
+              <a:latin typeface="宋体" panose="02010600030101010101" pitchFamily="2" charset="-122"/>
+              <a:ea typeface="宋体" panose="02010600030101010101" pitchFamily="2" charset="-122"/>
             </a:endParaRPr>
           </a:p>
         </p:txBody>
@@ -3790,13 +3743,9 @@
                 <a:solidFill>
                   <a:schemeClr val="bg1"/>
                 </a:solidFill>
-                <a:effectLst>
-                  <a:outerShdw blurRad="38100" dist="25400" dir="5400000" algn="ctr" rotWithShape="0">
-                    <a:srgbClr val="6E747A">
-                      <a:alpha val="43000"/>
-                    </a:srgbClr>
-                  </a:outerShdw>
-                </a:effectLst>
+                <a:effectLst/>
+                <a:latin typeface="宋体" panose="02010600030101010101" pitchFamily="2" charset="-122"/>
+                <a:ea typeface="宋体" panose="02010600030101010101" pitchFamily="2" charset="-122"/>
               </a:rPr>
               <a:t>下部电子仓</a:t>
             </a:r>
@@ -3804,13 +3753,9 @@
               <a:solidFill>
                 <a:schemeClr val="bg1"/>
               </a:solidFill>
-              <a:effectLst>
-                <a:outerShdw blurRad="38100" dist="25400" dir="5400000" algn="ctr" rotWithShape="0">
-                  <a:srgbClr val="6E747A">
-                    <a:alpha val="43000"/>
-                  </a:srgbClr>
-                </a:outerShdw>
-              </a:effectLst>
+              <a:effectLst/>
+              <a:latin typeface="宋体" panose="02010600030101010101" pitchFamily="2" charset="-122"/>
+              <a:ea typeface="宋体" panose="02010600030101010101" pitchFamily="2" charset="-122"/>
             </a:endParaRPr>
           </a:p>
         </p:txBody>
@@ -3847,13 +3792,9 @@
                 <a:solidFill>
                   <a:schemeClr val="bg1"/>
                 </a:solidFill>
-                <a:effectLst>
-                  <a:outerShdw blurRad="38100" dist="25400" dir="5400000" algn="ctr" rotWithShape="0">
-                    <a:srgbClr val="6E747A">
-                      <a:alpha val="43000"/>
-                    </a:srgbClr>
-                  </a:outerShdw>
-                </a:effectLst>
+                <a:effectLst/>
+                <a:latin typeface="宋体" panose="02010600030101010101" pitchFamily="2" charset="-122"/>
+                <a:ea typeface="宋体" panose="02010600030101010101" pitchFamily="2" charset="-122"/>
               </a:rPr>
               <a:t>控制舵面</a:t>
             </a:r>
@@ -3861,13 +3802,9 @@
               <a:solidFill>
                 <a:schemeClr val="bg1"/>
               </a:solidFill>
-              <a:effectLst>
-                <a:outerShdw blurRad="38100" dist="25400" dir="5400000" algn="ctr" rotWithShape="0">
-                  <a:srgbClr val="6E747A">
-                    <a:alpha val="43000"/>
-                  </a:srgbClr>
-                </a:outerShdw>
-              </a:effectLst>
+              <a:effectLst/>
+              <a:latin typeface="宋体" panose="02010600030101010101" pitchFamily="2" charset="-122"/>
+              <a:ea typeface="宋体" panose="02010600030101010101" pitchFamily="2" charset="-122"/>
             </a:endParaRPr>
           </a:p>
         </p:txBody>
